--- a/folded_gilbert/seminar/20231031/NtoNFolded/ギルバート乗算回路新規構成の提案.pptx
+++ b/folded_gilbert/seminar/20231031/NtoNFolded/ギルバート乗算回路新規構成の提案.pptx
@@ -8,7 +8,8 @@
     <p:sldId id="256" r:id="rId2"/>
     <p:sldId id="257" r:id="rId3"/>
     <p:sldId id="258" r:id="rId4"/>
-    <p:sldId id="259" r:id="rId5"/>
+    <p:sldId id="260" r:id="rId5"/>
+    <p:sldId id="259" r:id="rId6"/>
   </p:sldIdLst>
   <p:sldSz cx="12192000" cy="6858000"/>
   <p:notesSz cx="6858000" cy="9144000"/>
@@ -107,6 +108,11 @@
       </a:defRPr>
     </a:lvl9pPr>
   </p:defaultTextStyle>
+  <p:extLst>
+    <p:ext uri="{EFAFB233-063F-42B5-8137-9DF3F51BA10A}">
+      <p15:sldGuideLst xmlns:p15="http://schemas.microsoft.com/office/powerpoint/2012/main"/>
+    </p:ext>
+  </p:extLst>
 </p:presentation>
 </file>
 
@@ -3628,7 +3634,12 @@
             <p:ph type="ctrTitle"/>
           </p:nvPr>
         </p:nvSpPr>
-        <p:spPr/>
+        <p:spPr>
+          <a:xfrm>
+            <a:off x="1524000" y="1398588"/>
+            <a:ext cx="9144000" cy="2387600"/>
+          </a:xfrm>
+        </p:spPr>
         <p:txBody>
           <a:bodyPr>
             <a:normAutofit fontScale="90000"/>
@@ -3665,7 +3676,12 @@
             <p:ph type="subTitle" idx="1"/>
           </p:nvPr>
         </p:nvSpPr>
-        <p:spPr/>
+        <p:spPr>
+          <a:xfrm>
+            <a:off x="1524000" y="4364038"/>
+            <a:ext cx="9144000" cy="1655762"/>
+          </a:xfrm>
+        </p:spPr>
         <p:txBody>
           <a:bodyPr/>
           <a:lstStyle/>
@@ -3792,7 +3808,7 @@
           <a:p>
             <a:r>
               <a:rPr kumimoji="1" lang="ja-JP" altLang="en-US" dirty="0"/>
-              <a:t>背景・目的</a:t>
+              <a:t>背景</a:t>
             </a:r>
           </a:p>
         </p:txBody>
@@ -3883,7 +3899,7 @@
         </p:nvSpPr>
         <p:spPr>
           <a:xfrm>
-            <a:off x="6391921" y="1690688"/>
+            <a:off x="6525271" y="1908348"/>
             <a:ext cx="5406501" cy="1569660"/>
           </a:xfrm>
           <a:prstGeom prst="rect">
@@ -3958,7 +3974,7 @@
             </p:nvSpPr>
             <p:spPr>
               <a:xfrm>
-                <a:off x="6391922" y="3532095"/>
+                <a:off x="6015361" y="4625102"/>
                 <a:ext cx="5551503" cy="1569660"/>
               </a:xfrm>
               <a:prstGeom prst="rect">
@@ -4053,7 +4069,7 @@
             </p:nvSpPr>
             <p:spPr>
               <a:xfrm>
-                <a:off x="6391922" y="3532095"/>
+                <a:off x="6015361" y="4625102"/>
                 <a:ext cx="5551503" cy="1569660"/>
               </a:xfrm>
               <a:prstGeom prst="rect">
@@ -4062,7 +4078,7 @@
               <a:blipFill>
                 <a:blip r:embed="rId4"/>
                 <a:stretch>
-                  <a:fillRect l="-1758" t="-3101" b="-7752"/>
+                  <a:fillRect l="-1758" t="-3113" b="-8171"/>
                 </a:stretch>
               </a:blipFill>
             </p:spPr>
@@ -4081,51 +4097,6 @@
           </p:sp>
         </mc:Fallback>
       </mc:AlternateContent>
-      <p:sp>
-        <p:nvSpPr>
-          <p:cNvPr id="10" name="テキスト ボックス 9">
-            <a:extLst>
-              <a:ext uri="{FF2B5EF4-FFF2-40B4-BE49-F238E27FC236}">
-                <a16:creationId xmlns:a16="http://schemas.microsoft.com/office/drawing/2014/main" id="{141EF56B-D373-A7BB-4D97-42161477E638}"/>
-              </a:ext>
-            </a:extLst>
-          </p:cNvPr>
-          <p:cNvSpPr txBox="1"/>
-          <p:nvPr/>
-        </p:nvSpPr>
-        <p:spPr>
-          <a:xfrm>
-            <a:off x="6246919" y="5390201"/>
-            <a:ext cx="5551503" cy="1200329"/>
-          </a:xfrm>
-          <a:prstGeom prst="rect">
-            <a:avLst/>
-          </a:prstGeom>
-          <a:noFill/>
-          <a:ln w="28575">
-            <a:solidFill>
-              <a:srgbClr val="FF0000"/>
-            </a:solidFill>
-          </a:ln>
-        </p:spPr>
-        <p:txBody>
-          <a:bodyPr wrap="square" rtlCol="0">
-            <a:spAutoFit/>
-          </a:bodyPr>
-          <a:lstStyle/>
-          <a:p>
-            <a:pPr algn="l"/>
-            <a:r>
-              <a:rPr kumimoji="1" lang="en-US" altLang="ja-JP" sz="2400" dirty="0"/>
-              <a:t>PMOS</a:t>
-            </a:r>
-            <a:r>
-              <a:rPr kumimoji="1" lang="ja-JP" altLang="en-US" sz="2400" dirty="0"/>
-              <a:t>を使用せずに折り返しを行えば周波数特性を犠牲にせずに出力範囲を広げられるのではないか？</a:t>
-            </a:r>
-          </a:p>
-        </p:txBody>
-      </p:sp>
     </p:spTree>
     <p:extLst>
       <p:ext uri="{BB962C8B-B14F-4D97-AF65-F5344CB8AC3E}">
@@ -4161,6 +4132,143 @@
           <p:cNvPr id="2" name="タイトル 1">
             <a:extLst>
               <a:ext uri="{FF2B5EF4-FFF2-40B4-BE49-F238E27FC236}">
+                <a16:creationId xmlns:a16="http://schemas.microsoft.com/office/drawing/2014/main" id="{3A6954F7-4EC3-7579-0ADA-45237131F0AF}"/>
+              </a:ext>
+            </a:extLst>
+          </p:cNvPr>
+          <p:cNvSpPr>
+            <a:spLocks noGrp="1"/>
+          </p:cNvSpPr>
+          <p:nvPr>
+            <p:ph type="title"/>
+          </p:nvPr>
+        </p:nvSpPr>
+        <p:spPr/>
+        <p:txBody>
+          <a:bodyPr/>
+          <a:lstStyle/>
+          <a:p>
+            <a:r>
+              <a:rPr kumimoji="1" lang="ja-JP" altLang="en-US" dirty="0"/>
+              <a:t>目的</a:t>
+            </a:r>
+          </a:p>
+        </p:txBody>
+      </p:sp>
+      <p:sp>
+        <p:nvSpPr>
+          <p:cNvPr id="3" name="テキスト ボックス 2">
+            <a:extLst>
+              <a:ext uri="{FF2B5EF4-FFF2-40B4-BE49-F238E27FC236}">
+                <a16:creationId xmlns:a16="http://schemas.microsoft.com/office/drawing/2014/main" id="{3D7A1AE0-B742-4E88-1C02-654F044F8FC5}"/>
+              </a:ext>
+            </a:extLst>
+          </p:cNvPr>
+          <p:cNvSpPr txBox="1"/>
+          <p:nvPr/>
+        </p:nvSpPr>
+        <p:spPr>
+          <a:xfrm>
+            <a:off x="2394797" y="2871788"/>
+            <a:ext cx="7402406" cy="830997"/>
+          </a:xfrm>
+          <a:prstGeom prst="rect">
+            <a:avLst/>
+          </a:prstGeom>
+          <a:noFill/>
+          <a:ln w="28575">
+            <a:noFill/>
+          </a:ln>
+        </p:spPr>
+        <p:txBody>
+          <a:bodyPr wrap="square" rtlCol="0">
+            <a:spAutoFit/>
+          </a:bodyPr>
+          <a:lstStyle/>
+          <a:p>
+            <a:pPr algn="l"/>
+            <a:r>
+              <a:rPr kumimoji="1" lang="en-US" altLang="ja-JP" sz="2400" dirty="0"/>
+              <a:t>PMOS</a:t>
+            </a:r>
+            <a:r>
+              <a:rPr kumimoji="1" lang="ja-JP" altLang="en-US" sz="2400" dirty="0"/>
+              <a:t>を使用せずに折り返しを行えば周波数特性を犠牲にせずに出力範囲を広げられるのではないか？</a:t>
+            </a:r>
+          </a:p>
+        </p:txBody>
+      </p:sp>
+      <p:sp>
+        <p:nvSpPr>
+          <p:cNvPr id="4" name="テキスト ボックス 3">
+            <a:extLst>
+              <a:ext uri="{FF2B5EF4-FFF2-40B4-BE49-F238E27FC236}">
+                <a16:creationId xmlns:a16="http://schemas.microsoft.com/office/drawing/2014/main" id="{F8FF8761-1905-B0C9-082B-1FDCD8553618}"/>
+              </a:ext>
+            </a:extLst>
+          </p:cNvPr>
+          <p:cNvSpPr txBox="1"/>
+          <p:nvPr/>
+        </p:nvSpPr>
+        <p:spPr>
+          <a:xfrm>
+            <a:off x="2561484" y="3986212"/>
+            <a:ext cx="7069032" cy="461665"/>
+          </a:xfrm>
+          <a:prstGeom prst="rect">
+            <a:avLst/>
+          </a:prstGeom>
+          <a:noFill/>
+        </p:spPr>
+        <p:txBody>
+          <a:bodyPr wrap="square" rtlCol="0">
+            <a:spAutoFit/>
+          </a:bodyPr>
+          <a:lstStyle/>
+          <a:p>
+            <a:pPr algn="l"/>
+            <a:r>
+              <a:rPr kumimoji="1" lang="ja-JP" altLang="en-US" sz="2400" dirty="0"/>
+              <a:t>今回はこの少し手を加えた構成について検討する。</a:t>
+            </a:r>
+          </a:p>
+        </p:txBody>
+      </p:sp>
+    </p:spTree>
+    <p:extLst>
+      <p:ext uri="{BB962C8B-B14F-4D97-AF65-F5344CB8AC3E}">
+        <p14:creationId xmlns:p14="http://schemas.microsoft.com/office/powerpoint/2010/main" val="1233451136"/>
+      </p:ext>
+    </p:extLst>
+  </p:cSld>
+  <p:clrMapOvr>
+    <a:masterClrMapping/>
+  </p:clrMapOvr>
+</p:sld>
+</file>
+
+<file path=ppt/slides/slide5.xml><?xml version="1.0" encoding="utf-8"?>
+<p:sld xmlns:a="http://schemas.openxmlformats.org/drawingml/2006/main" xmlns:r="http://schemas.openxmlformats.org/officeDocument/2006/relationships" xmlns:p="http://schemas.openxmlformats.org/presentationml/2006/main">
+  <p:cSld>
+    <p:spTree>
+      <p:nvGrpSpPr>
+        <p:cNvPr id="1" name=""/>
+        <p:cNvGrpSpPr/>
+        <p:nvPr/>
+      </p:nvGrpSpPr>
+      <p:grpSpPr>
+        <a:xfrm>
+          <a:off x="0" y="0"/>
+          <a:ext cx="0" cy="0"/>
+          <a:chOff x="0" y="0"/>
+          <a:chExt cx="0" cy="0"/>
+        </a:xfrm>
+      </p:grpSpPr>
+      <p:sp>
+        <p:nvSpPr>
+          <p:cNvPr id="2" name="タイトル 1">
+            <a:extLst>
+              <a:ext uri="{FF2B5EF4-FFF2-40B4-BE49-F238E27FC236}">
                 <a16:creationId xmlns:a16="http://schemas.microsoft.com/office/drawing/2014/main" id="{59807B42-DBD1-D24C-4265-FC9ECA7CA7E3}"/>
               </a:ext>
             </a:extLst>
@@ -4212,7 +4320,7 @@
         </p:blipFill>
         <p:spPr>
           <a:xfrm>
-            <a:off x="195309" y="1992243"/>
+            <a:off x="-299991" y="1908422"/>
             <a:ext cx="8815526" cy="4661569"/>
           </a:xfrm>
           <a:prstGeom prst="rect">
@@ -4234,8 +4342,8 @@
         </p:nvSpPr>
         <p:spPr>
           <a:xfrm>
-            <a:off x="2814221" y="4864963"/>
-            <a:ext cx="4829453" cy="1136342"/>
+            <a:off x="1793141" y="4681166"/>
+            <a:ext cx="5552539" cy="1811709"/>
           </a:xfrm>
           <a:prstGeom prst="ellipse">
             <a:avLst/>
@@ -4245,6 +4353,7 @@
             <a:solidFill>
               <a:srgbClr val="FF0000"/>
             </a:solidFill>
+            <a:prstDash val="dash"/>
           </a:ln>
         </p:spPr>
         <p:style>
@@ -4272,43 +4381,172 @@
           </a:p>
         </p:txBody>
       </p:sp>
-      <p:sp>
-        <p:nvSpPr>
-          <p:cNvPr id="6" name="テキスト ボックス 5">
-            <a:extLst>
-              <a:ext uri="{FF2B5EF4-FFF2-40B4-BE49-F238E27FC236}">
-                <a16:creationId xmlns:a16="http://schemas.microsoft.com/office/drawing/2014/main" id="{2C8B961C-731B-57F6-EF4C-62FAA45EA022}"/>
-              </a:ext>
-            </a:extLst>
-          </p:cNvPr>
-          <p:cNvSpPr txBox="1"/>
-          <p:nvPr/>
-        </p:nvSpPr>
-        <p:spPr>
-          <a:xfrm>
-            <a:off x="8922058" y="2175029"/>
-            <a:ext cx="3074633" cy="1200329"/>
-          </a:xfrm>
-          <a:prstGeom prst="rect">
-            <a:avLst/>
-          </a:prstGeom>
-          <a:noFill/>
-        </p:spPr>
-        <p:txBody>
-          <a:bodyPr wrap="square" rtlCol="0">
-            <a:spAutoFit/>
-          </a:bodyPr>
-          <a:lstStyle/>
-          <a:p>
-            <a:pPr algn="l"/>
-            <a:r>
-              <a:rPr kumimoji="1" lang="ja-JP" altLang="en-US" sz="2400"/>
-              <a:t>差動対とカレントミラーで分流し、右側の</a:t>
-            </a:r>
-            <a:endParaRPr kumimoji="1" lang="ja-JP" altLang="en-US" sz="2400" dirty="0"/>
-          </a:p>
-        </p:txBody>
-      </p:sp>
+      <mc:AlternateContent xmlns:mc="http://schemas.openxmlformats.org/markup-compatibility/2006">
+        <mc:Choice xmlns:a14="http://schemas.microsoft.com/office/drawing/2010/main" Requires="a14">
+          <p:sp>
+            <p:nvSpPr>
+              <p:cNvPr id="6" name="テキスト ボックス 5">
+                <a:extLst>
+                  <a:ext uri="{FF2B5EF4-FFF2-40B4-BE49-F238E27FC236}">
+                    <a16:creationId xmlns:a16="http://schemas.microsoft.com/office/drawing/2014/main" id="{2C8B961C-731B-57F6-EF4C-62FAA45EA022}"/>
+                  </a:ext>
+                </a:extLst>
+              </p:cNvPr>
+              <p:cNvSpPr txBox="1"/>
+              <p:nvPr/>
+            </p:nvSpPr>
+            <p:spPr>
+              <a:xfrm>
+                <a:off x="8220075" y="1498754"/>
+                <a:ext cx="3804377" cy="4893647"/>
+              </a:xfrm>
+              <a:prstGeom prst="rect">
+                <a:avLst/>
+              </a:prstGeom>
+              <a:noFill/>
+            </p:spPr>
+            <p:txBody>
+              <a:bodyPr wrap="square" rtlCol="0">
+                <a:spAutoFit/>
+              </a:bodyPr>
+              <a:lstStyle/>
+              <a:p>
+                <a:pPr algn="l"/>
+                <a:r>
+                  <a:rPr kumimoji="1" lang="ja-JP" altLang="en-US" sz="2400" dirty="0"/>
+                  <a:t>差動対とカレントミラーで分流し、右側の作動対に伝える。</a:t>
+                </a:r>
+                <a:endParaRPr kumimoji="1" lang="en-US" altLang="ja-JP" sz="2400" dirty="0"/>
+              </a:p>
+              <a:p>
+                <a:pPr algn="l"/>
+                <a:endParaRPr lang="en-US" altLang="ja-JP" sz="2400" dirty="0"/>
+              </a:p>
+              <a:p>
+                <a:pPr algn="l"/>
+                <a14:m>
+                  <m:oMath xmlns:m="http://schemas.openxmlformats.org/officeDocument/2006/math">
+                    <m:sSub>
+                      <m:sSubPr>
+                        <m:ctrlPr>
+                          <a:rPr kumimoji="1" lang="en-US" altLang="ja-JP" sz="2400" b="0" i="1" smtClean="0">
+                            <a:latin typeface="Cambria Math" panose="02040503050406030204" pitchFamily="18" charset="0"/>
+                          </a:rPr>
+                        </m:ctrlPr>
+                      </m:sSubPr>
+                      <m:e>
+                        <m:r>
+                          <a:rPr kumimoji="1" lang="en-US" altLang="ja-JP" sz="2400" b="0" i="1" smtClean="0">
+                            <a:latin typeface="Cambria Math" panose="02040503050406030204" pitchFamily="18" charset="0"/>
+                          </a:rPr>
+                          <m:t>𝐼</m:t>
+                        </m:r>
+                      </m:e>
+                      <m:sub>
+                        <m:r>
+                          <a:rPr kumimoji="1" lang="en-US" altLang="ja-JP" sz="2400" b="0" i="1" smtClean="0">
+                            <a:latin typeface="Cambria Math" panose="02040503050406030204" pitchFamily="18" charset="0"/>
+                          </a:rPr>
+                          <m:t>𝐶</m:t>
+                        </m:r>
+                      </m:sub>
+                    </m:sSub>
+                  </m:oMath>
+                </a14:m>
+                <a:r>
+                  <a:rPr kumimoji="1" lang="ja-JP" altLang="en-US" sz="2400" dirty="0"/>
+                  <a:t>以外は</a:t>
+                </a:r>
+                <a:r>
+                  <a:rPr lang="en-US" altLang="ja-JP" sz="2400" dirty="0"/>
+                  <a:t>PMOS</a:t>
+                </a:r>
+                <a:r>
+                  <a:rPr lang="ja-JP" altLang="en-US" sz="2400" dirty="0"/>
+                  <a:t>を使わない構成。</a:t>
+                </a:r>
+                <a:endParaRPr lang="en-US" altLang="ja-JP" sz="2400" dirty="0"/>
+              </a:p>
+              <a:p>
+                <a:pPr algn="l"/>
+                <a:endParaRPr lang="en-US" altLang="ja-JP" sz="2400" dirty="0"/>
+              </a:p>
+              <a:p>
+                <a:pPr algn="l"/>
+                <a:r>
+                  <a:rPr lang="ja-JP" altLang="en-US" sz="2400" dirty="0"/>
+                  <a:t>周波数特性は従来型と、出力振幅は折り返し型と同様の性能が期待できる。</a:t>
+                </a:r>
+                <a:endParaRPr lang="en-US" altLang="ja-JP" sz="2400" dirty="0"/>
+              </a:p>
+              <a:p>
+                <a:pPr algn="l"/>
+                <a:endParaRPr lang="en-US" altLang="ja-JP" sz="2400" dirty="0"/>
+              </a:p>
+              <a:p>
+                <a:pPr algn="l"/>
+                <a:r>
+                  <a:rPr lang="ja-JP" altLang="en-US" sz="2400" dirty="0"/>
+                  <a:t>但し、消費電力は従来型の</a:t>
+                </a:r>
+                <a:r>
+                  <a:rPr lang="en-US" altLang="ja-JP" sz="2400" dirty="0"/>
+                  <a:t>3</a:t>
+                </a:r>
+                <a:r>
+                  <a:rPr lang="ja-JP" altLang="en-US" sz="2400" dirty="0"/>
+                  <a:t>倍になる。</a:t>
+                </a:r>
+                <a:endParaRPr lang="en-US" altLang="ja-JP" sz="2400" dirty="0"/>
+              </a:p>
+            </p:txBody>
+          </p:sp>
+        </mc:Choice>
+        <mc:Fallback>
+          <p:sp>
+            <p:nvSpPr>
+              <p:cNvPr id="6" name="テキスト ボックス 5">
+                <a:extLst>
+                  <a:ext uri="{FF2B5EF4-FFF2-40B4-BE49-F238E27FC236}">
+                    <a16:creationId xmlns:a16="http://schemas.microsoft.com/office/drawing/2014/main" id="{2C8B961C-731B-57F6-EF4C-62FAA45EA022}"/>
+                  </a:ext>
+                </a:extLst>
+              </p:cNvPr>
+              <p:cNvSpPr txBox="1">
+                <a:spLocks noRot="1" noChangeAspect="1" noMove="1" noResize="1" noEditPoints="1" noAdjustHandles="1" noChangeArrowheads="1" noChangeShapeType="1" noTextEdit="1"/>
+              </p:cNvSpPr>
+              <p:nvPr/>
+            </p:nvSpPr>
+            <p:spPr>
+              <a:xfrm>
+                <a:off x="8220075" y="1498754"/>
+                <a:ext cx="3804377" cy="4893647"/>
+              </a:xfrm>
+              <a:prstGeom prst="rect">
+                <a:avLst/>
+              </a:prstGeom>
+              <a:blipFill>
+                <a:blip r:embed="rId3"/>
+                <a:stretch>
+                  <a:fillRect l="-2400" t="-996" r="-3360" b="-1868"/>
+                </a:stretch>
+              </a:blipFill>
+            </p:spPr>
+            <p:txBody>
+              <a:bodyPr/>
+              <a:lstStyle/>
+              <a:p>
+                <a:r>
+                  <a:rPr lang="ja-JP" altLang="en-US">
+                    <a:noFill/>
+                  </a:rPr>
+                  <a:t> </a:t>
+                </a:r>
+              </a:p>
+            </p:txBody>
+          </p:sp>
+        </mc:Fallback>
+      </mc:AlternateContent>
     </p:spTree>
     <p:extLst>
       <p:ext uri="{BB962C8B-B14F-4D97-AF65-F5344CB8AC3E}">
